--- a/Scala Sessions/Scala Session 2/Scala Session 2.pptx
+++ b/Scala Sessions/Scala Session 2/Scala Session 2.pptx
@@ -281,7 +281,7 @@
           <a:p>
             <a:fld id="{0716825F-CFF6-420E-B2B6-5ABD2B3A3AB3}" type="datetimeFigureOut">
               <a:rPr lang="en-US" smtClean="0"/>
-              <a:t>2/22/20</a:t>
+              <a:t>4/26/20</a:t>
             </a:fld>
             <a:endParaRPr lang="en-US"/>
           </a:p>
@@ -479,7 +479,7 @@
           <a:p>
             <a:fld id="{0716825F-CFF6-420E-B2B6-5ABD2B3A3AB3}" type="datetimeFigureOut">
               <a:rPr lang="en-US" smtClean="0"/>
-              <a:t>2/22/20</a:t>
+              <a:t>4/26/20</a:t>
             </a:fld>
             <a:endParaRPr lang="en-US"/>
           </a:p>
@@ -687,7 +687,7 @@
           <a:p>
             <a:fld id="{0716825F-CFF6-420E-B2B6-5ABD2B3A3AB3}" type="datetimeFigureOut">
               <a:rPr lang="en-US" smtClean="0"/>
-              <a:t>2/22/20</a:t>
+              <a:t>4/26/20</a:t>
             </a:fld>
             <a:endParaRPr lang="en-US"/>
           </a:p>
@@ -885,7 +885,7 @@
           <a:p>
             <a:fld id="{0716825F-CFF6-420E-B2B6-5ABD2B3A3AB3}" type="datetimeFigureOut">
               <a:rPr lang="en-US" smtClean="0"/>
-              <a:t>2/22/20</a:t>
+              <a:t>4/26/20</a:t>
             </a:fld>
             <a:endParaRPr lang="en-US"/>
           </a:p>
@@ -1160,7 +1160,7 @@
           <a:p>
             <a:fld id="{0716825F-CFF6-420E-B2B6-5ABD2B3A3AB3}" type="datetimeFigureOut">
               <a:rPr lang="en-US" smtClean="0"/>
-              <a:t>2/22/20</a:t>
+              <a:t>4/26/20</a:t>
             </a:fld>
             <a:endParaRPr lang="en-US"/>
           </a:p>
@@ -1425,7 +1425,7 @@
           <a:p>
             <a:fld id="{0716825F-CFF6-420E-B2B6-5ABD2B3A3AB3}" type="datetimeFigureOut">
               <a:rPr lang="en-US" smtClean="0"/>
-              <a:t>2/22/20</a:t>
+              <a:t>4/26/20</a:t>
             </a:fld>
             <a:endParaRPr lang="en-US"/>
           </a:p>
@@ -1837,7 +1837,7 @@
           <a:p>
             <a:fld id="{0716825F-CFF6-420E-B2B6-5ABD2B3A3AB3}" type="datetimeFigureOut">
               <a:rPr lang="en-US" smtClean="0"/>
-              <a:t>2/22/20</a:t>
+              <a:t>4/26/20</a:t>
             </a:fld>
             <a:endParaRPr lang="en-US"/>
           </a:p>
@@ -1978,7 +1978,7 @@
           <a:p>
             <a:fld id="{0716825F-CFF6-420E-B2B6-5ABD2B3A3AB3}" type="datetimeFigureOut">
               <a:rPr lang="en-US" smtClean="0"/>
-              <a:t>2/22/20</a:t>
+              <a:t>4/26/20</a:t>
             </a:fld>
             <a:endParaRPr lang="en-US"/>
           </a:p>
@@ -2091,7 +2091,7 @@
           <a:p>
             <a:fld id="{0716825F-CFF6-420E-B2B6-5ABD2B3A3AB3}" type="datetimeFigureOut">
               <a:rPr lang="en-US" smtClean="0"/>
-              <a:t>2/22/20</a:t>
+              <a:t>4/26/20</a:t>
             </a:fld>
             <a:endParaRPr lang="en-US"/>
           </a:p>
@@ -2402,7 +2402,7 @@
           <a:p>
             <a:fld id="{0716825F-CFF6-420E-B2B6-5ABD2B3A3AB3}" type="datetimeFigureOut">
               <a:rPr lang="en-US" smtClean="0"/>
-              <a:t>2/22/20</a:t>
+              <a:t>4/26/20</a:t>
             </a:fld>
             <a:endParaRPr lang="en-US"/>
           </a:p>
@@ -2690,7 +2690,7 @@
           <a:p>
             <a:fld id="{0716825F-CFF6-420E-B2B6-5ABD2B3A3AB3}" type="datetimeFigureOut">
               <a:rPr lang="en-US" smtClean="0"/>
-              <a:t>2/22/20</a:t>
+              <a:t>4/26/20</a:t>
             </a:fld>
             <a:endParaRPr lang="en-US"/>
           </a:p>
@@ -2931,7 +2931,7 @@
           <a:p>
             <a:fld id="{0716825F-CFF6-420E-B2B6-5ABD2B3A3AB3}" type="datetimeFigureOut">
               <a:rPr lang="en-US" smtClean="0"/>
-              <a:t>2/22/20</a:t>
+              <a:t>4/26/20</a:t>
             </a:fld>
             <a:endParaRPr lang="en-US"/>
           </a:p>
@@ -10503,7 +10503,7 @@
         <p:spPr>
           <a:xfrm>
             <a:off x="994800" y="3221247"/>
-            <a:ext cx="4189881" cy="1384995"/>
+            <a:ext cx="4189881" cy="1815882"/>
           </a:xfrm>
           <a:prstGeom prst="rect">
             <a:avLst/>
@@ -10526,7 +10526,7 @@
                   <a:srgbClr val="FF0000"/>
                 </a:solidFill>
               </a:rPr>
-              <a:t>Scala doesn’t notify you when there is an impure function</a:t>
+              <a:t>Scala doesn’t notify you when there is an impure function implementation</a:t>
             </a:r>
           </a:p>
         </p:txBody>
@@ -13457,7 +13457,7 @@
           <a:lstStyle/>
           <a:p>
             <a:r>
-              <a:rPr lang="en-US">
+              <a:rPr lang="en-US" dirty="0">
                 <a:solidFill>
                   <a:srgbClr val="FFFFFF"/>
                 </a:solidFill>
